--- a/ARamil.pptx
+++ b/ARamil.pptx
@@ -110,6 +110,11 @@
       </a:defRPr>
     </a:lvl9pPr>
   </p:defaultTextStyle>
+  <p:extLst>
+    <p:ext uri="{EFAFB233-063F-42B5-8137-9DF3F51BA10A}">
+      <p15:sldGuideLst xmlns:p15="http://schemas.microsoft.com/office/powerpoint/2012/main"/>
+    </p:ext>
+  </p:extLst>
 </p:presentation>
 </file>
 
@@ -3991,6 +3996,10 @@
           <a:lstStyle/>
           <a:p>
             <a:r>
+              <a:rPr lang="en-US" sz="4800" dirty="0"/>
+              <a:t>          </a:t>
+            </a:r>
+            <a:r>
               <a:rPr lang="ru-MD" sz="4800" dirty="0"/>
               <a:t>Блок схема проекта генератора</a:t>
             </a:r>
@@ -4104,8 +4113,8 @@
         </p:nvSpPr>
         <p:spPr>
           <a:xfrm>
-            <a:off x="5451358" y="2319609"/>
-            <a:ext cx="572654" cy="276999"/>
+            <a:off x="5503828" y="2295408"/>
+            <a:ext cx="572654" cy="307777"/>
           </a:xfrm>
           <a:prstGeom prst="rect">
             <a:avLst/>
@@ -4119,7 +4128,7 @@
           <a:lstStyle/>
           <a:p>
             <a:r>
-              <a:rPr lang="en-US" sz="1200" dirty="0"/>
+              <a:rPr lang="en-US" sz="1400" dirty="0"/>
               <a:t>SPI</a:t>
             </a:r>
           </a:p>
@@ -4954,7 +4963,7 @@
         <p:spPr>
           <a:xfrm>
             <a:off x="6481384" y="5091694"/>
-            <a:ext cx="415890" cy="276999"/>
+            <a:ext cx="469832" cy="307777"/>
           </a:xfrm>
           <a:prstGeom prst="rect">
             <a:avLst/>
@@ -4968,7 +4977,7 @@
           <a:lstStyle/>
           <a:p>
             <a:r>
-              <a:rPr lang="en-US" sz="1200" dirty="0"/>
+              <a:rPr lang="en-US" sz="1400" dirty="0"/>
               <a:t>I2C</a:t>
             </a:r>
           </a:p>
@@ -5211,6 +5220,9 @@
           <a:lstStyle/>
           <a:p>
             <a:pPr>
+              <a:buClr>
+                <a:schemeClr val="bg1"/>
+              </a:buClr>
               <a:buFont typeface="Arial" panose="020B0604020202020204" pitchFamily="34" charset="0"/>
               <a:buChar char="•"/>
             </a:pPr>
@@ -5225,6 +5237,7 @@
           </a:p>
           <a:p>
             <a:pPr>
+              <a:buClrTx/>
               <a:buFont typeface="Arial" panose="020B0604020202020204" pitchFamily="34" charset="0"/>
               <a:buChar char="•"/>
             </a:pPr>
@@ -5255,6 +5268,7 @@
           </a:p>
           <a:p>
             <a:pPr>
+              <a:buClrTx/>
               <a:buFont typeface="Arial" panose="020B0604020202020204" pitchFamily="34" charset="0"/>
               <a:buChar char="•"/>
             </a:pPr>
@@ -5285,6 +5299,7 @@
           </a:p>
           <a:p>
             <a:pPr>
+              <a:buClrTx/>
               <a:buFont typeface="Arial" panose="020B0604020202020204" pitchFamily="34" charset="0"/>
               <a:buChar char="•"/>
             </a:pPr>
@@ -5299,6 +5314,7 @@
           </a:p>
           <a:p>
             <a:pPr>
+              <a:buClrTx/>
               <a:buFont typeface="Arial" panose="020B0604020202020204" pitchFamily="34" charset="0"/>
               <a:buChar char="•"/>
             </a:pPr>
@@ -5318,6 +5334,7 @@
           </a:p>
           <a:p>
             <a:pPr>
+              <a:buClrTx/>
               <a:buFont typeface="Arial" panose="020B0604020202020204" pitchFamily="34" charset="0"/>
               <a:buChar char="•"/>
             </a:pPr>
@@ -5332,6 +5349,7 @@
           </a:p>
           <a:p>
             <a:pPr>
+              <a:buClrTx/>
               <a:buFont typeface="Arial" panose="020B0604020202020204" pitchFamily="34" charset="0"/>
               <a:buChar char="•"/>
             </a:pPr>
@@ -5346,6 +5364,7 @@
           </a:p>
           <a:p>
             <a:pPr>
+              <a:buClrTx/>
               <a:buFont typeface="Arial" panose="020B0604020202020204" pitchFamily="34" charset="0"/>
               <a:buChar char="•"/>
             </a:pPr>
@@ -5752,7 +5771,7 @@
         </p:spPr>
         <p:txBody>
           <a:bodyPr>
-            <a:normAutofit/>
+            <a:normAutofit fontScale="92500"/>
           </a:bodyPr>
           <a:lstStyle/>
           <a:p>
@@ -5762,7 +5781,7 @@
             </a:pPr>
             <a:r>
               <a:rPr lang="en-US" sz="3200" dirty="0"/>
-              <a:t>SPI -</a:t>
+              <a:t> SPI -</a:t>
             </a:r>
             <a:r>
               <a:rPr lang="ru-MD" sz="3200" dirty="0"/>
@@ -5781,7 +5800,7 @@
             </a:pPr>
             <a:r>
               <a:rPr lang="en-US" sz="3200" dirty="0"/>
-              <a:t>I2C – Two Wire Interface</a:t>
+              <a:t> I2C – Two Wire Interface</a:t>
             </a:r>
           </a:p>
           <a:p>
@@ -5790,6 +5809,10 @@
               <a:buChar char="§"/>
             </a:pPr>
             <a:r>
+              <a:rPr lang="en-US" sz="3200" dirty="0"/>
+              <a:t> </a:t>
+            </a:r>
+            <a:r>
               <a:rPr lang="ru-MD" sz="3200" dirty="0"/>
               <a:t>Загрузка </a:t>
             </a:r>
@@ -5811,6 +5834,10 @@
               <a:buFont typeface="Wingdings" panose="05000000000000000000" pitchFamily="2" charset="2"/>
               <a:buChar char="§"/>
             </a:pPr>
+            <a:r>
+              <a:rPr lang="en-US" sz="3200" dirty="0"/>
+              <a:t> </a:t>
+            </a:r>
             <a:r>
               <a:rPr lang="ru-MD" sz="3200" dirty="0"/>
               <a:t>Сканирование переключателя в прерывании от таймера</a:t>
@@ -6247,54 +6274,86 @@
           </a:lstStyle>
           <a:p>
             <a:pPr marL="457200" indent="-457200">
+              <a:buClrTx/>
               <a:buFont typeface="+mj-lt"/>
               <a:buAutoNum type="arabicPeriod"/>
             </a:pPr>
+            <a:r>
+              <a:rPr lang="en-US" sz="1600" b="1" dirty="0">
+                <a:latin typeface="Times New Roman" panose="02020603050405020304" pitchFamily="18" charset="0"/>
+                <a:cs typeface="Times New Roman" panose="02020603050405020304" pitchFamily="18" charset="0"/>
+              </a:rPr>
+              <a:t>SS</a:t>
+            </a:r>
             <a:r>
               <a:rPr lang="en-US" sz="1600" dirty="0">
                 <a:latin typeface="Times New Roman" panose="02020603050405020304" pitchFamily="18" charset="0"/>
                 <a:cs typeface="Times New Roman" panose="02020603050405020304" pitchFamily="18" charset="0"/>
               </a:rPr>
-              <a:t>SS – Slave Select</a:t>
+              <a:t> – Slave Select</a:t>
             </a:r>
           </a:p>
           <a:p>
             <a:pPr marL="457200" indent="-457200">
+              <a:buClrTx/>
               <a:buFont typeface="+mj-lt"/>
               <a:buAutoNum type="arabicPeriod"/>
             </a:pPr>
+            <a:r>
+              <a:rPr lang="en-US" sz="1600" b="1" dirty="0">
+                <a:latin typeface="Times New Roman" panose="02020603050405020304" pitchFamily="18" charset="0"/>
+                <a:cs typeface="Times New Roman" panose="02020603050405020304" pitchFamily="18" charset="0"/>
+              </a:rPr>
+              <a:t>MOSI</a:t>
+            </a:r>
             <a:r>
               <a:rPr lang="en-US" sz="1600" dirty="0">
                 <a:latin typeface="Times New Roman" panose="02020603050405020304" pitchFamily="18" charset="0"/>
                 <a:cs typeface="Times New Roman" panose="02020603050405020304" pitchFamily="18" charset="0"/>
               </a:rPr>
-              <a:t>MOSI – Master OUT Slave IN</a:t>
+              <a:t> – Master OUT Slave IN</a:t>
             </a:r>
           </a:p>
           <a:p>
             <a:pPr marL="457200" indent="-457200">
+              <a:buClrTx/>
               <a:buFont typeface="+mj-lt"/>
               <a:buAutoNum type="arabicPeriod"/>
             </a:pPr>
+            <a:r>
+              <a:rPr lang="en-US" sz="1600" b="1" dirty="0">
+                <a:latin typeface="Times New Roman" panose="02020603050405020304" pitchFamily="18" charset="0"/>
+                <a:cs typeface="Times New Roman" panose="02020603050405020304" pitchFamily="18" charset="0"/>
+              </a:rPr>
+              <a:t>MISO</a:t>
+            </a:r>
             <a:r>
               <a:rPr lang="en-US" sz="1600" dirty="0">
                 <a:latin typeface="Times New Roman" panose="02020603050405020304" pitchFamily="18" charset="0"/>
                 <a:cs typeface="Times New Roman" panose="02020603050405020304" pitchFamily="18" charset="0"/>
               </a:rPr>
-              <a:t>MISO – Master IN Slave OUT</a:t>
+              <a:t> – Master IN Slave OUT</a:t>
             </a:r>
           </a:p>
           <a:p>
             <a:pPr marL="457200" indent="-457200">
+              <a:buClrTx/>
               <a:buFont typeface="+mj-lt"/>
               <a:buAutoNum type="arabicPeriod"/>
             </a:pPr>
+            <a:r>
+              <a:rPr lang="en-US" sz="1600" b="1" dirty="0">
+                <a:latin typeface="Times New Roman" panose="02020603050405020304" pitchFamily="18" charset="0"/>
+                <a:cs typeface="Times New Roman" panose="02020603050405020304" pitchFamily="18" charset="0"/>
+              </a:rPr>
+              <a:t>SCK</a:t>
+            </a:r>
             <a:r>
               <a:rPr lang="en-US" sz="1600" dirty="0">
                 <a:latin typeface="Times New Roman" panose="02020603050405020304" pitchFamily="18" charset="0"/>
                 <a:cs typeface="Times New Roman" panose="02020603050405020304" pitchFamily="18" charset="0"/>
               </a:rPr>
-              <a:t>SCK – Serial Clock</a:t>
+              <a:t> – Serial Clock</a:t>
             </a:r>
             <a:endParaRPr lang="ru-MD" sz="1600" dirty="0">
               <a:latin typeface="Times New Roman" panose="02020603050405020304" pitchFamily="18" charset="0"/>
@@ -6466,12 +6525,20 @@
           <a:lstStyle/>
           <a:p>
             <a:r>
+              <a:rPr lang="ru-MD" sz="2000" dirty="0">
+                <a:solidFill>
+                  <a:schemeClr val="tx1"/>
+                </a:solidFill>
+              </a:rPr>
+              <a:t>П</a:t>
+            </a:r>
+            <a:r>
               <a:rPr lang="ru-RU" sz="2000" dirty="0">
                 <a:solidFill>
                   <a:schemeClr val="tx1"/>
                 </a:solidFill>
               </a:rPr>
-              <a:t>последовательная шина данных для связи интегральных схем, использующая две двунаправленные линии связи (SDA и SCL)</a:t>
+              <a:t>оследовательная шина данных для связи интегральных схем, использующая две двунаправленные линии связи (SDA и SCL)</a:t>
             </a:r>
             <a:endParaRPr lang="en-US" sz="2000" dirty="0">
               <a:solidFill>

--- a/ARamil.pptx
+++ b/ARamil.pptx
@@ -344,7 +344,7 @@
           <a:p>
             <a:fld id="{F893ED4C-8687-45D9-BF2C-268CEA2C6311}" type="datetimeFigureOut">
               <a:rPr lang="en-US" smtClean="0"/>
-              <a:t>6/6/2023</a:t>
+              <a:t>6/9/2023</a:t>
             </a:fld>
             <a:endParaRPr lang="en-US"/>
           </a:p>
@@ -552,7 +552,7 @@
           <a:p>
             <a:fld id="{F893ED4C-8687-45D9-BF2C-268CEA2C6311}" type="datetimeFigureOut">
               <a:rPr lang="en-US" smtClean="0"/>
-              <a:t>6/6/2023</a:t>
+              <a:t>6/9/2023</a:t>
             </a:fld>
             <a:endParaRPr lang="en-US"/>
           </a:p>
@@ -808,7 +808,7 @@
           <a:p>
             <a:fld id="{F893ED4C-8687-45D9-BF2C-268CEA2C6311}" type="datetimeFigureOut">
               <a:rPr lang="en-US" smtClean="0"/>
-              <a:t>6/6/2023</a:t>
+              <a:t>6/9/2023</a:t>
             </a:fld>
             <a:endParaRPr lang="en-US"/>
           </a:p>
@@ -982,7 +982,7 @@
           <a:p>
             <a:fld id="{F893ED4C-8687-45D9-BF2C-268CEA2C6311}" type="datetimeFigureOut">
               <a:rPr lang="en-US" smtClean="0"/>
-              <a:t>6/6/2023</a:t>
+              <a:t>6/9/2023</a:t>
             </a:fld>
             <a:endParaRPr lang="en-US"/>
           </a:p>
@@ -1325,7 +1325,7 @@
           <a:p>
             <a:fld id="{F893ED4C-8687-45D9-BF2C-268CEA2C6311}" type="datetimeFigureOut">
               <a:rPr lang="en-US" smtClean="0"/>
-              <a:t>6/6/2023</a:t>
+              <a:t>6/9/2023</a:t>
             </a:fld>
             <a:endParaRPr lang="en-US"/>
           </a:p>
@@ -1600,7 +1600,7 @@
           <a:p>
             <a:fld id="{F893ED4C-8687-45D9-BF2C-268CEA2C6311}" type="datetimeFigureOut">
               <a:rPr lang="en-US" smtClean="0"/>
-              <a:t>6/6/2023</a:t>
+              <a:t>6/9/2023</a:t>
             </a:fld>
             <a:endParaRPr lang="en-US"/>
           </a:p>
@@ -1979,7 +1979,7 @@
           <a:p>
             <a:fld id="{F893ED4C-8687-45D9-BF2C-268CEA2C6311}" type="datetimeFigureOut">
               <a:rPr lang="en-US" smtClean="0"/>
-              <a:t>6/6/2023</a:t>
+              <a:t>6/9/2023</a:t>
             </a:fld>
             <a:endParaRPr lang="en-US"/>
           </a:p>
@@ -2097,7 +2097,7 @@
           <a:p>
             <a:fld id="{F893ED4C-8687-45D9-BF2C-268CEA2C6311}" type="datetimeFigureOut">
               <a:rPr lang="en-US" smtClean="0"/>
-              <a:t>6/6/2023</a:t>
+              <a:t>6/9/2023</a:t>
             </a:fld>
             <a:endParaRPr lang="en-US"/>
           </a:p>
@@ -2268,7 +2268,7 @@
           <a:p>
             <a:fld id="{F893ED4C-8687-45D9-BF2C-268CEA2C6311}" type="datetimeFigureOut">
               <a:rPr lang="en-US" smtClean="0"/>
-              <a:t>6/6/2023</a:t>
+              <a:t>6/9/2023</a:t>
             </a:fld>
             <a:endParaRPr lang="en-US"/>
           </a:p>
@@ -2622,7 +2622,7 @@
           <a:p>
             <a:fld id="{F893ED4C-8687-45D9-BF2C-268CEA2C6311}" type="datetimeFigureOut">
               <a:rPr lang="en-US" smtClean="0"/>
-              <a:t>6/6/2023</a:t>
+              <a:t>6/9/2023</a:t>
             </a:fld>
             <a:endParaRPr lang="en-US"/>
           </a:p>
@@ -3004,7 +3004,7 @@
           <a:p>
             <a:fld id="{F893ED4C-8687-45D9-BF2C-268CEA2C6311}" type="datetimeFigureOut">
               <a:rPr lang="en-US" smtClean="0"/>
-              <a:t>6/6/2023</a:t>
+              <a:t>6/9/2023</a:t>
             </a:fld>
             <a:endParaRPr lang="en-US"/>
           </a:p>
@@ -3291,7 +3291,7 @@
           <a:p>
             <a:fld id="{F893ED4C-8687-45D9-BF2C-268CEA2C6311}" type="datetimeFigureOut">
               <a:rPr lang="en-US" smtClean="0"/>
-              <a:t>6/6/2023</a:t>
+              <a:t>6/9/2023</a:t>
             </a:fld>
             <a:endParaRPr lang="en-US"/>
           </a:p>
@@ -5648,7 +5648,7 @@
                 <a:latin typeface="Times New Roman" panose="02020603050405020304" pitchFamily="18" charset="0"/>
                 <a:cs typeface="Times New Roman" panose="02020603050405020304" pitchFamily="18" charset="0"/>
               </a:rPr>
-              <a:t>AD98889</a:t>
+              <a:t>AD9889</a:t>
             </a:r>
           </a:p>
           <a:p>
@@ -5676,10 +5676,20 @@
               </a:rPr>
               <a:t>ЗАПИСЬ ДАННЫХ УПРАВЛЕНИЯ КОММУТАЦИЕЙ</a:t>
             </a:r>
-            <a:endParaRPr lang="en-US" sz="3200" dirty="0">
-              <a:latin typeface="Times New Roman" panose="02020603050405020304" pitchFamily="18" charset="0"/>
-              <a:cs typeface="Times New Roman" panose="02020603050405020304" pitchFamily="18" charset="0"/>
-            </a:endParaRPr>
+            <a:r>
+              <a:rPr lang="en-US" sz="3200" dirty="0">
+                <a:latin typeface="Times New Roman" panose="02020603050405020304" pitchFamily="18" charset="0"/>
+                <a:cs typeface="Times New Roman" panose="02020603050405020304" pitchFamily="18" charset="0"/>
+              </a:rPr>
+              <a:t> </a:t>
+            </a:r>
+            <a:r>
+              <a:rPr lang="ru-MD" sz="3200" dirty="0">
+                <a:latin typeface="Times New Roman" panose="02020603050405020304" pitchFamily="18" charset="0"/>
+                <a:cs typeface="Times New Roman" panose="02020603050405020304" pitchFamily="18" charset="0"/>
+              </a:rPr>
+              <a:t>ВИДЕО</a:t>
+            </a:r>
           </a:p>
         </p:txBody>
       </p:sp>

--- a/ARamil.pptx
+++ b/ARamil.pptx
@@ -344,7 +344,7 @@
           <a:p>
             <a:fld id="{F893ED4C-8687-45D9-BF2C-268CEA2C6311}" type="datetimeFigureOut">
               <a:rPr lang="en-US" smtClean="0"/>
-              <a:t>6/9/2023</a:t>
+              <a:t>6/10/2023</a:t>
             </a:fld>
             <a:endParaRPr lang="en-US"/>
           </a:p>
@@ -552,7 +552,7 @@
           <a:p>
             <a:fld id="{F893ED4C-8687-45D9-BF2C-268CEA2C6311}" type="datetimeFigureOut">
               <a:rPr lang="en-US" smtClean="0"/>
-              <a:t>6/9/2023</a:t>
+              <a:t>6/10/2023</a:t>
             </a:fld>
             <a:endParaRPr lang="en-US"/>
           </a:p>
@@ -808,7 +808,7 @@
           <a:p>
             <a:fld id="{F893ED4C-8687-45D9-BF2C-268CEA2C6311}" type="datetimeFigureOut">
               <a:rPr lang="en-US" smtClean="0"/>
-              <a:t>6/9/2023</a:t>
+              <a:t>6/10/2023</a:t>
             </a:fld>
             <a:endParaRPr lang="en-US"/>
           </a:p>
@@ -982,7 +982,7 @@
           <a:p>
             <a:fld id="{F893ED4C-8687-45D9-BF2C-268CEA2C6311}" type="datetimeFigureOut">
               <a:rPr lang="en-US" smtClean="0"/>
-              <a:t>6/9/2023</a:t>
+              <a:t>6/10/2023</a:t>
             </a:fld>
             <a:endParaRPr lang="en-US"/>
           </a:p>
@@ -1325,7 +1325,7 @@
           <a:p>
             <a:fld id="{F893ED4C-8687-45D9-BF2C-268CEA2C6311}" type="datetimeFigureOut">
               <a:rPr lang="en-US" smtClean="0"/>
-              <a:t>6/9/2023</a:t>
+              <a:t>6/10/2023</a:t>
             </a:fld>
             <a:endParaRPr lang="en-US"/>
           </a:p>
@@ -1600,7 +1600,7 @@
           <a:p>
             <a:fld id="{F893ED4C-8687-45D9-BF2C-268CEA2C6311}" type="datetimeFigureOut">
               <a:rPr lang="en-US" smtClean="0"/>
-              <a:t>6/9/2023</a:t>
+              <a:t>6/10/2023</a:t>
             </a:fld>
             <a:endParaRPr lang="en-US"/>
           </a:p>
@@ -1979,7 +1979,7 @@
           <a:p>
             <a:fld id="{F893ED4C-8687-45D9-BF2C-268CEA2C6311}" type="datetimeFigureOut">
               <a:rPr lang="en-US" smtClean="0"/>
-              <a:t>6/9/2023</a:t>
+              <a:t>6/10/2023</a:t>
             </a:fld>
             <a:endParaRPr lang="en-US"/>
           </a:p>
@@ -2097,7 +2097,7 @@
           <a:p>
             <a:fld id="{F893ED4C-8687-45D9-BF2C-268CEA2C6311}" type="datetimeFigureOut">
               <a:rPr lang="en-US" smtClean="0"/>
-              <a:t>6/9/2023</a:t>
+              <a:t>6/10/2023</a:t>
             </a:fld>
             <a:endParaRPr lang="en-US"/>
           </a:p>
@@ -2268,7 +2268,7 @@
           <a:p>
             <a:fld id="{F893ED4C-8687-45D9-BF2C-268CEA2C6311}" type="datetimeFigureOut">
               <a:rPr lang="en-US" smtClean="0"/>
-              <a:t>6/9/2023</a:t>
+              <a:t>6/10/2023</a:t>
             </a:fld>
             <a:endParaRPr lang="en-US"/>
           </a:p>
@@ -2622,7 +2622,7 @@
           <a:p>
             <a:fld id="{F893ED4C-8687-45D9-BF2C-268CEA2C6311}" type="datetimeFigureOut">
               <a:rPr lang="en-US" smtClean="0"/>
-              <a:t>6/9/2023</a:t>
+              <a:t>6/10/2023</a:t>
             </a:fld>
             <a:endParaRPr lang="en-US"/>
           </a:p>
@@ -3004,7 +3004,7 @@
           <a:p>
             <a:fld id="{F893ED4C-8687-45D9-BF2C-268CEA2C6311}" type="datetimeFigureOut">
               <a:rPr lang="en-US" smtClean="0"/>
-              <a:t>6/9/2023</a:t>
+              <a:t>6/10/2023</a:t>
             </a:fld>
             <a:endParaRPr lang="en-US"/>
           </a:p>
@@ -3291,7 +3291,7 @@
           <a:p>
             <a:fld id="{F893ED4C-8687-45D9-BF2C-268CEA2C6311}" type="datetimeFigureOut">
               <a:rPr lang="en-US" smtClean="0"/>
-              <a:t>6/9/2023</a:t>
+              <a:t>6/10/2023</a:t>
             </a:fld>
             <a:endParaRPr lang="en-US"/>
           </a:p>
@@ -5209,8 +5209,8 @@
         </p:nvSpPr>
         <p:spPr>
           <a:xfrm>
-            <a:off x="492371" y="2653800"/>
-            <a:ext cx="3084844" cy="3232095"/>
+            <a:off x="492371" y="2653801"/>
+            <a:ext cx="3084844" cy="3258728"/>
           </a:xfrm>
         </p:spPr>
         <p:txBody>
@@ -5232,8 +5232,38 @@
                   <a:srgbClr val="FFFFFF"/>
                 </a:solidFill>
               </a:rPr>
-              <a:t>Энергонезависимая память программ и данных</a:t>
-            </a:r>
+              <a:t>Низкое энергопотребление</a:t>
+            </a:r>
+          </a:p>
+          <a:p>
+            <a:pPr>
+              <a:buClr>
+                <a:schemeClr val="bg1"/>
+              </a:buClr>
+              <a:buFont typeface="Arial" panose="020B0604020202020204" pitchFamily="34" charset="0"/>
+              <a:buChar char="•"/>
+            </a:pPr>
+            <a:r>
+              <a:rPr lang="ru-RU" sz="1200" dirty="0">
+                <a:solidFill>
+                  <a:srgbClr val="FFFFFF"/>
+                </a:solidFill>
+              </a:rPr>
+              <a:t>Высокое производительность благодаря </a:t>
+            </a:r>
+            <a:r>
+              <a:rPr lang="en-US" sz="1200" dirty="0">
+                <a:solidFill>
+                  <a:srgbClr val="FFFFFF"/>
+                </a:solidFill>
+              </a:rPr>
+              <a:t>RISC</a:t>
+            </a:r>
+            <a:endParaRPr lang="ru-RU" sz="1200" dirty="0">
+              <a:solidFill>
+                <a:srgbClr val="FFFFFF"/>
+              </a:solidFill>
+            </a:endParaRPr>
           </a:p>
           <a:p>
             <a:pPr>
@@ -5247,55 +5277,36 @@
                   <a:srgbClr val="FFFFFF"/>
                 </a:solidFill>
               </a:rPr>
-              <a:t>64–128 КБ внутрисистемной </a:t>
-            </a:r>
-            <a:r>
-              <a:rPr lang="ru-RU" sz="1200" dirty="0" err="1">
-                <a:solidFill>
-                  <a:srgbClr val="FFFFFF"/>
-                </a:solidFill>
-              </a:rPr>
-              <a:t>самопрограммируемой</a:t>
-            </a:r>
+              <a:t>Большое кол-во портов </a:t>
+            </a:r>
+          </a:p>
+          <a:p>
+            <a:pPr>
+              <a:buClrTx/>
+              <a:buFont typeface="Arial" panose="020B0604020202020204" pitchFamily="34" charset="0"/>
+              <a:buChar char="•"/>
+            </a:pPr>
             <a:r>
               <a:rPr lang="ru-RU" sz="1200" dirty="0">
                 <a:solidFill>
                   <a:srgbClr val="FFFFFF"/>
                 </a:solidFill>
               </a:rPr>
-              <a:t> флэш-памяти</a:t>
-            </a:r>
-          </a:p>
-          <a:p>
-            <a:pPr>
-              <a:buClrTx/>
-              <a:buFont typeface="Arial" panose="020B0604020202020204" pitchFamily="34" charset="0"/>
-              <a:buChar char="•"/>
-            </a:pPr>
-            <a:r>
-              <a:rPr lang="ru-RU" sz="1200" dirty="0">
+              <a:t>Аппаратно реализованные блоки </a:t>
+            </a:r>
+            <a:r>
+              <a:rPr lang="en-US" sz="1200" dirty="0">
                 <a:solidFill>
                   <a:srgbClr val="FFFFFF"/>
                 </a:solidFill>
               </a:rPr>
-              <a:t>4K - 8Кб загрузочный раздел(область Boot </a:t>
-            </a:r>
-            <a:r>
-              <a:rPr lang="ru-RU" sz="1200" dirty="0" err="1">
-                <a:solidFill>
-                  <a:srgbClr val="FFFFFF"/>
-                </a:solidFill>
-              </a:rPr>
-              <a:t>Loader</a:t>
-            </a:r>
-            <a:r>
-              <a:rPr lang="ru-RU" sz="1200" dirty="0">
-                <a:solidFill>
-                  <a:srgbClr val="FFFFFF"/>
-                </a:solidFill>
-              </a:rPr>
-              <a:t>)</a:t>
-            </a:r>
+              <a:t>                    SPI, I2C, USART</a:t>
+            </a:r>
+            <a:endParaRPr lang="ru-RU" sz="1200" dirty="0">
+              <a:solidFill>
+                <a:srgbClr val="FFFFFF"/>
+              </a:solidFill>
+            </a:endParaRPr>
           </a:p>
           <a:p>
             <a:pPr>
@@ -5339,13 +5350,18 @@
               <a:buChar char="•"/>
             </a:pPr>
             <a:r>
-              <a:rPr lang="en-US" sz="1200" dirty="0">
+              <a:rPr lang="ru-RU" sz="1200" dirty="0">
                 <a:solidFill>
                   <a:srgbClr val="FFFFFF"/>
                 </a:solidFill>
               </a:rPr>
-              <a:t>UART</a:t>
-            </a:r>
+              <a:t>Таймеры/счетчикм</a:t>
+            </a:r>
+            <a:endParaRPr lang="en-US" sz="1200" dirty="0">
+              <a:solidFill>
+                <a:srgbClr val="FFFFFF"/>
+              </a:solidFill>
+            </a:endParaRPr>
           </a:p>
           <a:p>
             <a:pPr>
@@ -5354,33 +5370,13 @@
               <a:buChar char="•"/>
             </a:pPr>
             <a:r>
-              <a:rPr lang="en-US" sz="1200" dirty="0">
+              <a:rPr lang="ru-RU" sz="1200" dirty="0">
                 <a:solidFill>
                   <a:srgbClr val="FFFFFF"/>
                 </a:solidFill>
               </a:rPr>
-              <a:t>SPI</a:t>
-            </a:r>
-          </a:p>
-          <a:p>
-            <a:pPr>
-              <a:buClrTx/>
-              <a:buFont typeface="Arial" panose="020B0604020202020204" pitchFamily="34" charset="0"/>
-              <a:buChar char="•"/>
-            </a:pPr>
-            <a:r>
-              <a:rPr lang="en-US" sz="1200" dirty="0">
-                <a:solidFill>
-                  <a:srgbClr val="FFFFFF"/>
-                </a:solidFill>
-              </a:rPr>
-              <a:t>I2C</a:t>
-            </a:r>
-            <a:endParaRPr lang="ru-RU" sz="1200" dirty="0">
-              <a:solidFill>
-                <a:srgbClr val="FFFFFF"/>
-              </a:solidFill>
-            </a:endParaRPr>
+              <a:t>Система прерываний</a:t>
+            </a:r>
           </a:p>
           <a:p>
             <a:endParaRPr lang="en-US" sz="1200" dirty="0">

--- a/ARamil.pptx
+++ b/ARamil.pptx
@@ -12,6 +12,8 @@
     <p:sldId id="261" r:id="rId6"/>
     <p:sldId id="259" r:id="rId7"/>
     <p:sldId id="262" r:id="rId8"/>
+    <p:sldId id="264" r:id="rId9"/>
+    <p:sldId id="265" r:id="rId10"/>
   </p:sldIdLst>
   <p:sldSz cx="12192000" cy="6858000"/>
   <p:notesSz cx="6858000" cy="9144000"/>
@@ -344,7 +346,7 @@
           <a:p>
             <a:fld id="{F893ED4C-8687-45D9-BF2C-268CEA2C6311}" type="datetimeFigureOut">
               <a:rPr lang="en-US" smtClean="0"/>
-              <a:t>6/10/2023</a:t>
+              <a:t>6/11/2023</a:t>
             </a:fld>
             <a:endParaRPr lang="en-US"/>
           </a:p>
@@ -552,7 +554,7 @@
           <a:p>
             <a:fld id="{F893ED4C-8687-45D9-BF2C-268CEA2C6311}" type="datetimeFigureOut">
               <a:rPr lang="en-US" smtClean="0"/>
-              <a:t>6/10/2023</a:t>
+              <a:t>6/11/2023</a:t>
             </a:fld>
             <a:endParaRPr lang="en-US"/>
           </a:p>
@@ -808,7 +810,7 @@
           <a:p>
             <a:fld id="{F893ED4C-8687-45D9-BF2C-268CEA2C6311}" type="datetimeFigureOut">
               <a:rPr lang="en-US" smtClean="0"/>
-              <a:t>6/10/2023</a:t>
+              <a:t>6/11/2023</a:t>
             </a:fld>
             <a:endParaRPr lang="en-US"/>
           </a:p>
@@ -982,7 +984,7 @@
           <a:p>
             <a:fld id="{F893ED4C-8687-45D9-BF2C-268CEA2C6311}" type="datetimeFigureOut">
               <a:rPr lang="en-US" smtClean="0"/>
-              <a:t>6/10/2023</a:t>
+              <a:t>6/11/2023</a:t>
             </a:fld>
             <a:endParaRPr lang="en-US"/>
           </a:p>
@@ -1325,7 +1327,7 @@
           <a:p>
             <a:fld id="{F893ED4C-8687-45D9-BF2C-268CEA2C6311}" type="datetimeFigureOut">
               <a:rPr lang="en-US" smtClean="0"/>
-              <a:t>6/10/2023</a:t>
+              <a:t>6/11/2023</a:t>
             </a:fld>
             <a:endParaRPr lang="en-US"/>
           </a:p>
@@ -1600,7 +1602,7 @@
           <a:p>
             <a:fld id="{F893ED4C-8687-45D9-BF2C-268CEA2C6311}" type="datetimeFigureOut">
               <a:rPr lang="en-US" smtClean="0"/>
-              <a:t>6/10/2023</a:t>
+              <a:t>6/11/2023</a:t>
             </a:fld>
             <a:endParaRPr lang="en-US"/>
           </a:p>
@@ -1979,7 +1981,7 @@
           <a:p>
             <a:fld id="{F893ED4C-8687-45D9-BF2C-268CEA2C6311}" type="datetimeFigureOut">
               <a:rPr lang="en-US" smtClean="0"/>
-              <a:t>6/10/2023</a:t>
+              <a:t>6/11/2023</a:t>
             </a:fld>
             <a:endParaRPr lang="en-US"/>
           </a:p>
@@ -2097,7 +2099,7 @@
           <a:p>
             <a:fld id="{F893ED4C-8687-45D9-BF2C-268CEA2C6311}" type="datetimeFigureOut">
               <a:rPr lang="en-US" smtClean="0"/>
-              <a:t>6/10/2023</a:t>
+              <a:t>6/11/2023</a:t>
             </a:fld>
             <a:endParaRPr lang="en-US"/>
           </a:p>
@@ -2268,7 +2270,7 @@
           <a:p>
             <a:fld id="{F893ED4C-8687-45D9-BF2C-268CEA2C6311}" type="datetimeFigureOut">
               <a:rPr lang="en-US" smtClean="0"/>
-              <a:t>6/10/2023</a:t>
+              <a:t>6/11/2023</a:t>
             </a:fld>
             <a:endParaRPr lang="en-US"/>
           </a:p>
@@ -2622,7 +2624,7 @@
           <a:p>
             <a:fld id="{F893ED4C-8687-45D9-BF2C-268CEA2C6311}" type="datetimeFigureOut">
               <a:rPr lang="en-US" smtClean="0"/>
-              <a:t>6/10/2023</a:t>
+              <a:t>6/11/2023</a:t>
             </a:fld>
             <a:endParaRPr lang="en-US"/>
           </a:p>
@@ -3004,7 +3006,7 @@
           <a:p>
             <a:fld id="{F893ED4C-8687-45D9-BF2C-268CEA2C6311}" type="datetimeFigureOut">
               <a:rPr lang="en-US" smtClean="0"/>
-              <a:t>6/10/2023</a:t>
+              <a:t>6/11/2023</a:t>
             </a:fld>
             <a:endParaRPr lang="en-US"/>
           </a:p>
@@ -3291,7 +3293,7 @@
           <a:p>
             <a:fld id="{F893ED4C-8687-45D9-BF2C-268CEA2C6311}" type="datetimeFigureOut">
               <a:rPr lang="en-US" smtClean="0"/>
-              <a:t>6/10/2023</a:t>
+              <a:t>6/11/2023</a:t>
             </a:fld>
             <a:endParaRPr lang="en-US"/>
           </a:p>
@@ -6567,6 +6569,307 @@
 </p:sld>
 </file>
 
+<file path=ppt/slides/slide8.xml><?xml version="1.0" encoding="utf-8"?>
+<p:sld xmlns:a="http://schemas.openxmlformats.org/drawingml/2006/main" xmlns:r="http://schemas.openxmlformats.org/officeDocument/2006/relationships" xmlns:p="http://schemas.openxmlformats.org/presentationml/2006/main">
+  <p:cSld>
+    <p:spTree>
+      <p:nvGrpSpPr>
+        <p:cNvPr id="1" name=""/>
+        <p:cNvGrpSpPr/>
+        <p:nvPr/>
+      </p:nvGrpSpPr>
+      <p:grpSpPr>
+        <a:xfrm>
+          <a:off x="0" y="0"/>
+          <a:ext cx="0" cy="0"/>
+          <a:chOff x="0" y="0"/>
+          <a:chExt cx="0" cy="0"/>
+        </a:xfrm>
+      </p:grpSpPr>
+      <p:sp>
+        <p:nvSpPr>
+          <p:cNvPr id="2" name="Title 1">
+            <a:extLst>
+              <a:ext uri="{FF2B5EF4-FFF2-40B4-BE49-F238E27FC236}">
+                <a16:creationId xmlns:a16="http://schemas.microsoft.com/office/drawing/2014/main" id="{68DFD63B-7AB7-953B-AC2C-A47C3F5B364E}"/>
+              </a:ext>
+            </a:extLst>
+          </p:cNvPr>
+          <p:cNvSpPr>
+            <a:spLocks noGrp="1"/>
+          </p:cNvSpPr>
+          <p:nvPr>
+            <p:ph type="title"/>
+          </p:nvPr>
+        </p:nvSpPr>
+        <p:spPr>
+          <a:xfrm>
+            <a:off x="1097280" y="286603"/>
+            <a:ext cx="10058400" cy="900171"/>
+          </a:xfrm>
+        </p:spPr>
+        <p:txBody>
+          <a:bodyPr/>
+          <a:lstStyle/>
+          <a:p>
+            <a:r>
+              <a:rPr lang="ru-MD" dirty="0"/>
+              <a:t>Роторный переключатель</a:t>
+            </a:r>
+            <a:endParaRPr lang="en-US" dirty="0"/>
+          </a:p>
+        </p:txBody>
+      </p:sp>
+      <p:pic>
+        <p:nvPicPr>
+          <p:cNvPr id="4" name="Content Placeholder 3">
+            <a:extLst>
+              <a:ext uri="{FF2B5EF4-FFF2-40B4-BE49-F238E27FC236}">
+                <a16:creationId xmlns:a16="http://schemas.microsoft.com/office/drawing/2014/main" id="{65077148-48FF-DE71-A43A-3E4606A95592}"/>
+              </a:ext>
+            </a:extLst>
+          </p:cNvPr>
+          <p:cNvPicPr>
+            <a:picLocks noGrp="1" noChangeAspect="1"/>
+          </p:cNvPicPr>
+          <p:nvPr>
+            <p:ph idx="1"/>
+          </p:nvPr>
+        </p:nvPicPr>
+        <p:blipFill>
+          <a:blip r:embed="rId2"/>
+          <a:stretch>
+            <a:fillRect/>
+          </a:stretch>
+        </p:blipFill>
+        <p:spPr>
+          <a:xfrm>
+            <a:off x="8344049" y="2720198"/>
+            <a:ext cx="2811631" cy="2604640"/>
+          </a:xfrm>
+          <a:prstGeom prst="rect">
+            <a:avLst/>
+          </a:prstGeom>
+        </p:spPr>
+      </p:pic>
+      <p:sp>
+        <p:nvSpPr>
+          <p:cNvPr id="5" name="TextBox 4">
+            <a:extLst>
+              <a:ext uri="{FF2B5EF4-FFF2-40B4-BE49-F238E27FC236}">
+                <a16:creationId xmlns:a16="http://schemas.microsoft.com/office/drawing/2014/main" id="{7F337D2A-AC68-9ED0-8747-A3F266F28D16}"/>
+              </a:ext>
+            </a:extLst>
+          </p:cNvPr>
+          <p:cNvSpPr txBox="1"/>
+          <p:nvPr/>
+        </p:nvSpPr>
+        <p:spPr>
+          <a:xfrm>
+            <a:off x="1097281" y="1643973"/>
+            <a:ext cx="4341986" cy="923330"/>
+          </a:xfrm>
+          <a:prstGeom prst="rect">
+            <a:avLst/>
+          </a:prstGeom>
+          <a:noFill/>
+        </p:spPr>
+        <p:txBody>
+          <a:bodyPr wrap="square" rtlCol="0">
+            <a:spAutoFit/>
+          </a:bodyPr>
+          <a:lstStyle/>
+          <a:p>
+            <a:r>
+              <a:rPr lang="ru-RU" sz="1800" dirty="0">
+                <a:effectLst/>
+                <a:latin typeface="Verdana" panose="020B0604030504040204" pitchFamily="34" charset="0"/>
+                <a:ea typeface="Calibri" panose="020F0502020204030204" pitchFamily="34" charset="0"/>
+                <a:cs typeface="Times New Roman" panose="02020603050405020304" pitchFamily="18" charset="0"/>
+              </a:rPr>
+              <a:t>Предназначен для выбора одного из 8-ми предопределенных вариантов видео картинок</a:t>
+            </a:r>
+            <a:endParaRPr lang="en-US" dirty="0"/>
+          </a:p>
+        </p:txBody>
+      </p:sp>
+      <p:sp>
+        <p:nvSpPr>
+          <p:cNvPr id="6" name="TextBox 5">
+            <a:extLst>
+              <a:ext uri="{FF2B5EF4-FFF2-40B4-BE49-F238E27FC236}">
+                <a16:creationId xmlns:a16="http://schemas.microsoft.com/office/drawing/2014/main" id="{CA68CB2E-322F-6F62-DDDC-3A9A6A872DAF}"/>
+              </a:ext>
+            </a:extLst>
+          </p:cNvPr>
+          <p:cNvSpPr txBox="1"/>
+          <p:nvPr/>
+        </p:nvSpPr>
+        <p:spPr>
+          <a:xfrm>
+            <a:off x="1206631" y="3429000"/>
+            <a:ext cx="5740924" cy="2308324"/>
+          </a:xfrm>
+          <a:prstGeom prst="rect">
+            <a:avLst/>
+          </a:prstGeom>
+          <a:noFill/>
+        </p:spPr>
+        <p:txBody>
+          <a:bodyPr wrap="square" rtlCol="0">
+            <a:spAutoFit/>
+          </a:bodyPr>
+          <a:lstStyle/>
+          <a:p>
+            <a:r>
+              <a:rPr lang="ru-MD" sz="1800" dirty="0">
+                <a:effectLst/>
+                <a:latin typeface="Verdana" panose="020B0604030504040204" pitchFamily="34" charset="0"/>
+                <a:ea typeface="Calibri" panose="020F0502020204030204" pitchFamily="34" charset="0"/>
+                <a:cs typeface="Times New Roman" panose="02020603050405020304" pitchFamily="18" charset="0"/>
+              </a:rPr>
+              <a:t>Таймер микроконтроллера настроен на генерацию прерывания каждые 20 миллисекунд. Программа считывает состояние входного порта, к которому подключен роторный переключатель. При изменений положений переключателя новое состояние записывается в </a:t>
+            </a:r>
+            <a:r>
+              <a:rPr lang="en-US" sz="1800" dirty="0">
+                <a:effectLst/>
+                <a:latin typeface="Verdana" panose="020B0604030504040204" pitchFamily="34" charset="0"/>
+                <a:ea typeface="Calibri" panose="020F0502020204030204" pitchFamily="34" charset="0"/>
+                <a:cs typeface="Times New Roman" panose="02020603050405020304" pitchFamily="18" charset="0"/>
+              </a:rPr>
+              <a:t>FPGA </a:t>
+            </a:r>
+            <a:r>
+              <a:rPr lang="ru-MD" sz="1800" dirty="0">
+                <a:effectLst/>
+                <a:latin typeface="Verdana" panose="020B0604030504040204" pitchFamily="34" charset="0"/>
+                <a:ea typeface="Calibri" panose="020F0502020204030204" pitchFamily="34" charset="0"/>
+                <a:cs typeface="Times New Roman" panose="02020603050405020304" pitchFamily="18" charset="0"/>
+              </a:rPr>
+              <a:t>и картинка изменяется.</a:t>
+            </a:r>
+            <a:endParaRPr lang="en-US" dirty="0"/>
+          </a:p>
+        </p:txBody>
+      </p:sp>
+    </p:spTree>
+    <p:extLst>
+      <p:ext uri="{BB962C8B-B14F-4D97-AF65-F5344CB8AC3E}">
+        <p14:creationId xmlns:p14="http://schemas.microsoft.com/office/powerpoint/2010/main" val="735453942"/>
+      </p:ext>
+    </p:extLst>
+  </p:cSld>
+  <p:clrMapOvr>
+    <a:masterClrMapping/>
+  </p:clrMapOvr>
+</p:sld>
+</file>
+
+<file path=ppt/slides/slide9.xml><?xml version="1.0" encoding="utf-8"?>
+<p:sld xmlns:a="http://schemas.openxmlformats.org/drawingml/2006/main" xmlns:r="http://schemas.openxmlformats.org/officeDocument/2006/relationships" xmlns:p="http://schemas.openxmlformats.org/presentationml/2006/main">
+  <p:cSld>
+    <p:spTree>
+      <p:nvGrpSpPr>
+        <p:cNvPr id="1" name=""/>
+        <p:cNvGrpSpPr/>
+        <p:nvPr/>
+      </p:nvGrpSpPr>
+      <p:grpSpPr>
+        <a:xfrm>
+          <a:off x="0" y="0"/>
+          <a:ext cx="0" cy="0"/>
+          <a:chOff x="0" y="0"/>
+          <a:chExt cx="0" cy="0"/>
+        </a:xfrm>
+      </p:grpSpPr>
+      <p:sp>
+        <p:nvSpPr>
+          <p:cNvPr id="2" name="Title 1">
+            <a:extLst>
+              <a:ext uri="{FF2B5EF4-FFF2-40B4-BE49-F238E27FC236}">
+                <a16:creationId xmlns:a16="http://schemas.microsoft.com/office/drawing/2014/main" id="{99C9C9FC-B443-7CBA-2482-70695A4D0C8C}"/>
+              </a:ext>
+            </a:extLst>
+          </p:cNvPr>
+          <p:cNvSpPr>
+            <a:spLocks noGrp="1"/>
+          </p:cNvSpPr>
+          <p:nvPr>
+            <p:ph type="title"/>
+          </p:nvPr>
+        </p:nvSpPr>
+        <p:spPr>
+          <a:xfrm>
+            <a:off x="2059305" y="424206"/>
+            <a:ext cx="10058400" cy="709838"/>
+          </a:xfrm>
+        </p:spPr>
+        <p:txBody>
+          <a:bodyPr>
+            <a:normAutofit/>
+          </a:bodyPr>
+          <a:lstStyle/>
+          <a:p>
+            <a:r>
+              <a:rPr lang="ru-RU" sz="3200" dirty="0">
+                <a:effectLst/>
+                <a:latin typeface="+mn-lt"/>
+                <a:ea typeface="Calibri" panose="020F0502020204030204" pitchFamily="34" charset="0"/>
+                <a:cs typeface="Times New Roman" panose="02020603050405020304" pitchFamily="18" charset="0"/>
+              </a:rPr>
+              <a:t>Подключения ПЛИС к внешнему контроллеру</a:t>
+            </a:r>
+            <a:endParaRPr lang="en-US" sz="3200" dirty="0">
+              <a:latin typeface="+mn-lt"/>
+            </a:endParaRPr>
+          </a:p>
+        </p:txBody>
+      </p:sp>
+      <p:pic>
+        <p:nvPicPr>
+          <p:cNvPr id="4" name="Content Placeholder 3">
+            <a:extLst>
+              <a:ext uri="{FF2B5EF4-FFF2-40B4-BE49-F238E27FC236}">
+                <a16:creationId xmlns:a16="http://schemas.microsoft.com/office/drawing/2014/main" id="{4B1F9313-F0F0-8710-935E-7A74A9804F2D}"/>
+              </a:ext>
+            </a:extLst>
+          </p:cNvPr>
+          <p:cNvPicPr>
+            <a:picLocks noGrp="1" noChangeAspect="1"/>
+          </p:cNvPicPr>
+          <p:nvPr>
+            <p:ph idx="1"/>
+          </p:nvPr>
+        </p:nvPicPr>
+        <p:blipFill>
+          <a:blip r:embed="rId2"/>
+          <a:stretch>
+            <a:fillRect/>
+          </a:stretch>
+        </p:blipFill>
+        <p:spPr>
+          <a:xfrm>
+            <a:off x="5179233" y="1989056"/>
+            <a:ext cx="6396881" cy="3969962"/>
+          </a:xfrm>
+          <a:prstGeom prst="rect">
+            <a:avLst/>
+          </a:prstGeom>
+        </p:spPr>
+      </p:pic>
+    </p:spTree>
+    <p:extLst>
+      <p:ext uri="{BB962C8B-B14F-4D97-AF65-F5344CB8AC3E}">
+        <p14:creationId xmlns:p14="http://schemas.microsoft.com/office/powerpoint/2010/main" val="3065758793"/>
+      </p:ext>
+    </p:extLst>
+  </p:cSld>
+  <p:clrMapOvr>
+    <a:masterClrMapping/>
+  </p:clrMapOvr>
+</p:sld>
+</file>
+
 <file path=ppt/theme/theme1.xml><?xml version="1.0" encoding="utf-8"?>
 <a:theme xmlns:a="http://schemas.openxmlformats.org/drawingml/2006/main" name="Retrospect">
   <a:themeElements>
